--- a/FINACIAL RISK DETECTION.pptx
+++ b/FINACIAL RISK DETECTION.pptx
@@ -257,7 +257,7 @@
           <a:p>
             <a:fld id="{6E5C0719-993D-42E1-80ED-8F01056F36C2}" type="datetimeFigureOut">
               <a:rPr lang="en-US" smtClean="0"/>
-              <a:t>3/7/2024</a:t>
+              <a:t>3/15/2024</a:t>
             </a:fld>
             <a:endParaRPr lang="en-US" dirty="0"/>
           </a:p>
@@ -434,7 +434,7 @@
           <a:p>
             <a:fld id="{21D3BC9C-6C58-464F-B94E-FD73C5FB016E}" type="datetimeFigureOut">
               <a:rPr lang="en-US" smtClean="0"/>
-              <a:t>3/7/2024</a:t>
+              <a:t>3/15/2024</a:t>
             </a:fld>
             <a:endParaRPr lang="en-US" dirty="0"/>
           </a:p>
@@ -1184,7 +1184,7 @@
           <a:p>
             <a:fld id="{40DA1498-92C7-4E4B-8045-C9195F453964}" type="datetimeFigureOut">
               <a:rPr lang="en-US" smtClean="0"/>
-              <a:t>3/7/2024</a:t>
+              <a:t>3/15/2024</a:t>
             </a:fld>
             <a:endParaRPr lang="en-US" dirty="0"/>
           </a:p>
@@ -1382,7 +1382,7 @@
           <a:p>
             <a:fld id="{40DA1498-92C7-4E4B-8045-C9195F453964}" type="datetimeFigureOut">
               <a:rPr lang="en-US" smtClean="0"/>
-              <a:t>3/7/2024</a:t>
+              <a:t>3/15/2024</a:t>
             </a:fld>
             <a:endParaRPr lang="en-US" dirty="0"/>
           </a:p>
@@ -1590,7 +1590,7 @@
           <a:p>
             <a:fld id="{40DA1498-92C7-4E4B-8045-C9195F453964}" type="datetimeFigureOut">
               <a:rPr lang="en-US" smtClean="0"/>
-              <a:t>3/7/2024</a:t>
+              <a:t>3/15/2024</a:t>
             </a:fld>
             <a:endParaRPr lang="en-US" dirty="0"/>
           </a:p>
@@ -1788,7 +1788,7 @@
           <a:p>
             <a:fld id="{40DA1498-92C7-4E4B-8045-C9195F453964}" type="datetimeFigureOut">
               <a:rPr lang="en-US" smtClean="0"/>
-              <a:t>3/7/2024</a:t>
+              <a:t>3/15/2024</a:t>
             </a:fld>
             <a:endParaRPr lang="en-US" dirty="0"/>
           </a:p>
@@ -2063,7 +2063,7 @@
           <a:p>
             <a:fld id="{40DA1498-92C7-4E4B-8045-C9195F453964}" type="datetimeFigureOut">
               <a:rPr lang="en-US" smtClean="0"/>
-              <a:t>3/7/2024</a:t>
+              <a:t>3/15/2024</a:t>
             </a:fld>
             <a:endParaRPr lang="en-US" dirty="0"/>
           </a:p>
@@ -2328,7 +2328,7 @@
           <a:p>
             <a:fld id="{40DA1498-92C7-4E4B-8045-C9195F453964}" type="datetimeFigureOut">
               <a:rPr lang="en-US" smtClean="0"/>
-              <a:t>3/7/2024</a:t>
+              <a:t>3/15/2024</a:t>
             </a:fld>
             <a:endParaRPr lang="en-US" dirty="0"/>
           </a:p>
@@ -2740,7 +2740,7 @@
           <a:p>
             <a:fld id="{40DA1498-92C7-4E4B-8045-C9195F453964}" type="datetimeFigureOut">
               <a:rPr lang="en-US" smtClean="0"/>
-              <a:t>3/7/2024</a:t>
+              <a:t>3/15/2024</a:t>
             </a:fld>
             <a:endParaRPr lang="en-US" dirty="0"/>
           </a:p>
@@ -2881,7 +2881,7 @@
           <a:p>
             <a:fld id="{40DA1498-92C7-4E4B-8045-C9195F453964}" type="datetimeFigureOut">
               <a:rPr lang="en-US" smtClean="0"/>
-              <a:t>3/7/2024</a:t>
+              <a:t>3/15/2024</a:t>
             </a:fld>
             <a:endParaRPr lang="en-US" dirty="0"/>
           </a:p>
@@ -2994,7 +2994,7 @@
           <a:p>
             <a:fld id="{40DA1498-92C7-4E4B-8045-C9195F453964}" type="datetimeFigureOut">
               <a:rPr lang="en-US" smtClean="0"/>
-              <a:t>3/7/2024</a:t>
+              <a:t>3/15/2024</a:t>
             </a:fld>
             <a:endParaRPr lang="en-US" dirty="0"/>
           </a:p>
@@ -3305,7 +3305,7 @@
           <a:p>
             <a:fld id="{40DA1498-92C7-4E4B-8045-C9195F453964}" type="datetimeFigureOut">
               <a:rPr lang="en-US" smtClean="0"/>
-              <a:t>3/7/2024</a:t>
+              <a:t>3/15/2024</a:t>
             </a:fld>
             <a:endParaRPr lang="en-US" dirty="0"/>
           </a:p>
@@ -3597,7 +3597,7 @@
           <a:p>
             <a:fld id="{40DA1498-92C7-4E4B-8045-C9195F453964}" type="datetimeFigureOut">
               <a:rPr lang="en-US" smtClean="0"/>
-              <a:t>3/7/2024</a:t>
+              <a:t>3/15/2024</a:t>
             </a:fld>
             <a:endParaRPr lang="en-US" dirty="0"/>
           </a:p>
@@ -3838,7 +3838,7 @@
           <a:p>
             <a:fld id="{40DA1498-92C7-4E4B-8045-C9195F453964}" type="datetimeFigureOut">
               <a:rPr lang="en-US" smtClean="0"/>
-              <a:t>3/7/2024</a:t>
+              <a:t>3/15/2024</a:t>
             </a:fld>
             <a:endParaRPr lang="en-US" dirty="0"/>
           </a:p>
@@ -7602,15 +7602,6 @@
                 <a:spcPts val="1900"/>
               </a:lnSpc>
             </a:pPr>
-            <a:r>
-              <a:rPr lang="en-US" sz="1400" dirty="0" err="1">
-                <a:solidFill>
-                  <a:schemeClr val="bg1"/>
-                </a:solidFill>
-                <a:cs typeface="Segoe UI" panose="020B0502040204020203" pitchFamily="34" charset="0"/>
-              </a:rPr>
-              <a:t>StandardScaler</a:t>
-            </a:r>
             <a:endParaRPr lang="en-US" sz="1400" dirty="0">
               <a:solidFill>
                 <a:schemeClr val="bg1"/>
@@ -7640,33 +7631,12 @@
                 <a:spcPts val="1900"/>
               </a:lnSpc>
             </a:pPr>
-            <a:r>
-              <a:rPr lang="en-US" sz="1400" dirty="0">
-                <a:solidFill>
-                  <a:schemeClr val="bg1"/>
-                </a:solidFill>
-                <a:cs typeface="Segoe UI" panose="020B0502040204020203" pitchFamily="34" charset="0"/>
-              </a:rPr>
-              <a:t>Randomized </a:t>
-            </a:r>
-            <a:r>
-              <a:rPr lang="en-US" sz="1400" dirty="0" err="1">
-                <a:solidFill>
-                  <a:schemeClr val="bg1"/>
-                </a:solidFill>
-                <a:cs typeface="Segoe UI" panose="020B0502040204020203" pitchFamily="34" charset="0"/>
-              </a:rPr>
-              <a:t>GridSearch</a:t>
-            </a:r>
-            <a:r>
-              <a:rPr lang="en-US" sz="1400" dirty="0">
-                <a:solidFill>
-                  <a:schemeClr val="bg1"/>
-                </a:solidFill>
-                <a:cs typeface="Segoe UI" panose="020B0502040204020203" pitchFamily="34" charset="0"/>
-              </a:rPr>
-              <a:t> CV</a:t>
-            </a:r>
+            <a:endParaRPr lang="en-US" sz="1400" dirty="0">
+              <a:solidFill>
+                <a:schemeClr val="bg1"/>
+              </a:solidFill>
+              <a:cs typeface="Segoe UI" panose="020B0502040204020203" pitchFamily="34" charset="0"/>
+            </a:endParaRPr>
           </a:p>
         </p:txBody>
       </p:sp>
@@ -23969,15 +23939,6 @@
 </file>
 
 <file path=customXml/item1.xml><?xml version="1.0" encoding="utf-8"?>
-<?mso-contentType ?>
-<FormTemplates xmlns="http://schemas.microsoft.com/sharepoint/v3/contenttype/forms">
-  <Display>DocumentLibraryForm</Display>
-  <Edit>DocumentLibraryForm</Edit>
-  <New>DocumentLibraryForm</New>
-</FormTemplates>
-</file>
-
-<file path=customXml/item2.xml><?xml version="1.0" encoding="utf-8"?>
 <ct:contentTypeSchema xmlns:ct="http://schemas.microsoft.com/office/2006/metadata/contentType" xmlns:ma="http://schemas.microsoft.com/office/2006/metadata/properties/metaAttributes" ct:_="" ma:_="" ma:contentTypeName="Document" ma:contentTypeID="0x01010079F111ED35F8CC479449609E8A0923A6" ma:contentTypeVersion="11" ma:contentTypeDescription="Create a new document." ma:contentTypeScope="" ma:versionID="9677210f24a1be23c92c90fd886aa0aa">
   <xsd:schema xmlns:xsd="http://www.w3.org/2001/XMLSchema" xmlns:xs="http://www.w3.org/2001/XMLSchema" xmlns:p="http://schemas.microsoft.com/office/2006/metadata/properties" xmlns:ns2="71af3243-3dd4-4a8d-8c0d-dd76da1f02a5" xmlns:ns3="16c05727-aa75-4e4a-9b5f-8a80a1165891" targetNamespace="http://schemas.microsoft.com/office/2006/metadata/properties" ma:root="true" ma:fieldsID="60e05723c5c1908df1a1a4ebf11d344e" ns2:_="" ns3:_="">
     <xsd:import namespace="71af3243-3dd4-4a8d-8c0d-dd76da1f02a5"/>
@@ -24188,6 +24149,15 @@
 </ct:contentTypeSchema>
 </file>
 
+<file path=customXml/item2.xml><?xml version="1.0" encoding="utf-8"?>
+<?mso-contentType ?>
+<FormTemplates xmlns="http://schemas.microsoft.com/sharepoint/v3/contenttype/forms">
+  <Display>DocumentLibraryForm</Display>
+  <Edit>DocumentLibraryForm</Edit>
+  <New>DocumentLibraryForm</New>
+</FormTemplates>
+</file>
+
 <file path=customXml/item3.xml><?xml version="1.0" encoding="utf-8"?>
 <p:properties xmlns:p="http://schemas.microsoft.com/office/2006/metadata/properties" xmlns:xsi="http://www.w3.org/2001/XMLSchema-instance" xmlns:pc="http://schemas.microsoft.com/office/infopath/2007/PartnerControls">
   <documentManagement>
@@ -24197,14 +24167,6 @@
 </file>
 
 <file path=customXml/itemProps1.xml><?xml version="1.0" encoding="utf-8"?>
-<ds:datastoreItem xmlns:ds="http://schemas.openxmlformats.org/officeDocument/2006/customXml" ds:itemID="{2FD05317-60D6-4B3A-8545-888496D1A8EC}">
-  <ds:schemaRefs>
-    <ds:schemaRef ds:uri="http://schemas.microsoft.com/sharepoint/v3/contenttype/forms"/>
-  </ds:schemaRefs>
-</ds:datastoreItem>
-</file>
-
-<file path=customXml/itemProps2.xml><?xml version="1.0" encoding="utf-8"?>
 <ds:datastoreItem xmlns:ds="http://schemas.openxmlformats.org/officeDocument/2006/customXml" ds:itemID="{61A00BBF-EEBB-4E18-B8CB-F926EAAC48F7}">
   <ds:schemaRefs>
     <ds:schemaRef ds:uri="http://schemas.microsoft.com/office/2006/metadata/contentType"/>
@@ -24223,6 +24185,14 @@
 </ds:datastoreItem>
 </file>
 
+<file path=customXml/itemProps2.xml><?xml version="1.0" encoding="utf-8"?>
+<ds:datastoreItem xmlns:ds="http://schemas.openxmlformats.org/officeDocument/2006/customXml" ds:itemID="{2FD05317-60D6-4B3A-8545-888496D1A8EC}">
+  <ds:schemaRefs>
+    <ds:schemaRef ds:uri="http://schemas.microsoft.com/sharepoint/v3/contenttype/forms"/>
+  </ds:schemaRefs>
+</ds:datastoreItem>
+</file>
+
 <file path=customXml/itemProps3.xml><?xml version="1.0" encoding="utf-8"?>
 <ds:datastoreItem xmlns:ds="http://schemas.openxmlformats.org/officeDocument/2006/customXml" ds:itemID="{EF609EDA-869E-4BE5-AE5D-B898C584B6FF}">
   <ds:schemaRefs>

--- a/FINACIAL RISK DETECTION.pptx
+++ b/FINACIAL RISK DETECTION.pptx
@@ -4309,19 +4309,19 @@
               <a:t>FINACIAL RISK DETECTION</a:t>
             </a:r>
             <a:br>
-              <a:rPr lang="en-US" dirty="0">
+              <a:rPr lang="en-US">
                 <a:solidFill>
                   <a:schemeClr val="bg1"/>
                 </a:solidFill>
               </a:rPr>
             </a:br>
             <a:r>
-              <a:rPr lang="en-US" sz="4000" dirty="0">
+              <a:rPr lang="en-US" sz="4000">
                 <a:solidFill>
                   <a:schemeClr val="accent4"/>
                 </a:solidFill>
               </a:rPr>
-              <a:t>Presentation</a:t>
+              <a:t>Presentation - Aakash R</a:t>
             </a:r>
             <a:endParaRPr lang="en-US" dirty="0">
               <a:solidFill>
